--- a/PPT.pptx
+++ b/PPT.pptx
@@ -4123,15 +4123,7 @@
             <a:pPr lvl="2"/>
             <a:r>
               <a:rPr lang="en-US" sz="3500" dirty="0"/>
-              <a:t>Suspicious incident descriptions or vague reasons can be red </a:t>
-            </a:r>
-            <a:r>
-              <a:rPr lang="en-US" sz="3500" dirty="0" err="1"/>
-              <a:t>flags.Evaluated</a:t>
-            </a:r>
-            <a:r>
-              <a:rPr lang="en-US" sz="3500" dirty="0"/>
-              <a:t> performance using:</a:t>
+              <a:t>Suspicious incident descriptions or vague reasons can be red flags. Evaluated performance using</a:t>
             </a:r>
           </a:p>
           <a:p>

--- a/PPT.pptx
+++ b/PPT.pptx
@@ -107,6 +107,11 @@
       </a:defRPr>
     </a:lvl9pPr>
   </p:defaultTextStyle>
+  <p:extLst>
+    <p:ext uri="{EFAFB233-063F-42B5-8137-9DF3F51BA10A}">
+      <p15:sldGuideLst xmlns:p15="http://schemas.microsoft.com/office/powerpoint/2012/main"/>
+    </p:ext>
+  </p:extLst>
 </p:presentation>
 </file>
 
@@ -3681,8 +3686,13 @@
             <a:pPr lvl="2"/>
             <a:r>
               <a:rPr lang="en-US" sz="1400" dirty="0"/>
-              <a:t>Accuracy</a:t>
-            </a:r>
+              <a:t>Accuracy ~ </a:t>
+            </a:r>
+            <a:r>
+              <a:rPr lang="en-IN" sz="1400" dirty="0"/>
+              <a:t>0.8218</a:t>
+            </a:r>
+            <a:endParaRPr lang="en-US" sz="1400" dirty="0"/>
           </a:p>
           <a:p>
             <a:pPr lvl="2"/>
@@ -3702,7 +3712,7 @@
             <a:pPr lvl="2"/>
             <a:r>
               <a:rPr lang="en-US" sz="1400" dirty="0"/>
-              <a:t>ROC Curve</a:t>
+              <a:t>ROC Curve ~(AUC 0.83)</a:t>
             </a:r>
           </a:p>
           <a:p>
@@ -3896,7 +3906,11 @@
           </a:p>
           <a:p>
             <a:pPr lvl="1"/>
-            <a:endParaRPr lang="en-IN" sz="1800" dirty="0"/>
+            <a:r>
+              <a:rPr lang="en-US" sz="1400" dirty="0"/>
+              <a:t>Sensitivity (Recall): 0.7564 Specificity: 1.0000 Precision: 1.0000 F1-Score: 0.8613</a:t>
+            </a:r>
+            <a:endParaRPr lang="en-IN" sz="1400" dirty="0"/>
           </a:p>
           <a:p>
             <a:pPr marL="57150"/>
